--- a/吉佳咖啡.pptx
+++ b/吉佳咖啡.pptx
@@ -11,32 +11,33 @@
     <p:sldId id="263" r:id="rId5"/>
     <p:sldId id="266" r:id="rId6"/>
     <p:sldId id="260" r:id="rId7"/>
-    <p:sldId id="265" r:id="rId8"/>
-    <p:sldId id="264" r:id="rId9"/>
-    <p:sldId id="259" r:id="rId10"/>
-    <p:sldId id="268" r:id="rId11"/>
-    <p:sldId id="269" r:id="rId12"/>
-    <p:sldId id="267" r:id="rId13"/>
-    <p:sldId id="258" r:id="rId14"/>
+    <p:sldId id="270" r:id="rId8"/>
+    <p:sldId id="265" r:id="rId9"/>
+    <p:sldId id="264" r:id="rId10"/>
+    <p:sldId id="259" r:id="rId11"/>
+    <p:sldId id="268" r:id="rId12"/>
+    <p:sldId id="269" r:id="rId13"/>
+    <p:sldId id="267" r:id="rId14"/>
+    <p:sldId id="258" r:id="rId15"/>
   </p:sldIdLst>
   <p:sldSz cx="12192000" cy="6858000"/>
   <p:notesSz cx="6858000" cy="9144000"/>
   <p:embeddedFontLst>
     <p:embeddedFont>
-      <p:font typeface="Calibri Light" panose="020F0302020204030204" pitchFamily="34" charset="0"/>
-      <p:regular r:id="rId15"/>
-      <p:italic r:id="rId16"/>
-    </p:embeddedFont>
-    <p:embeddedFont>
       <p:font typeface="Calibri" panose="020F0502020204030204" pitchFamily="34" charset="0"/>
-      <p:regular r:id="rId17"/>
-      <p:bold r:id="rId18"/>
-      <p:italic r:id="rId19"/>
-      <p:boldItalic r:id="rId20"/>
+      <p:regular r:id="rId16"/>
+      <p:bold r:id="rId17"/>
+      <p:italic r:id="rId18"/>
+      <p:boldItalic r:id="rId19"/>
     </p:embeddedFont>
     <p:embeddedFont>
       <p:font typeface="jf open 粉圓 1.0" panose="020F0500000000000000" pitchFamily="34" charset="-120"/>
+      <p:regular r:id="rId20"/>
+    </p:embeddedFont>
+    <p:embeddedFont>
+      <p:font typeface="Calibri Light" panose="020F0302020204030204" pitchFamily="34" charset="0"/>
       <p:regular r:id="rId21"/>
+      <p:italic r:id="rId22"/>
     </p:embeddedFont>
   </p:embeddedFontLst>
   <p:defaultTextStyle>
@@ -134,6 +135,11 @@
       </a:defRPr>
     </a:lvl9pPr>
   </p:defaultTextStyle>
+  <p:extLst>
+    <p:ext uri="{EFAFB233-063F-42B5-8137-9DF3F51BA10A}">
+      <p15:sldGuideLst xmlns:p15="http://schemas.microsoft.com/office/powerpoint/2012/main"/>
+    </p:ext>
+  </p:extLst>
 </p:presentation>
 </file>
 
@@ -3146,17 +3152,7 @@
                 <a:latin typeface="jf open 粉圓 1.0" panose="020F0500000000000000" pitchFamily="34" charset="-120"/>
                 <a:ea typeface="jf open 粉圓 1.0" panose="020F0500000000000000" pitchFamily="34" charset="-120"/>
               </a:rPr>
-              <a:t>資工二 </a:t>
-            </a:r>
-            <a:r>
-              <a:rPr lang="zh-TW" altLang="en-US" sz="1500" dirty="0" smtClean="0">
-                <a:solidFill>
-                  <a:schemeClr val="bg1"/>
-                </a:solidFill>
-                <a:latin typeface="jf open 粉圓 1.0" panose="020F0500000000000000" pitchFamily="34" charset="-120"/>
-                <a:ea typeface="jf open 粉圓 1.0" panose="020F0500000000000000" pitchFamily="34" charset="-120"/>
-              </a:rPr>
-              <a:t>藍裕翔 </a:t>
+              <a:t>資工二 藍裕翔 </a:t>
             </a:r>
             <a:endParaRPr lang="en-US" altLang="zh-TW" sz="1500" dirty="0" smtClean="0">
               <a:solidFill>
@@ -3185,17 +3181,7 @@
                 <a:latin typeface="jf open 粉圓 1.0" panose="020F0500000000000000" pitchFamily="34" charset="-120"/>
                 <a:ea typeface="jf open 粉圓 1.0" panose="020F0500000000000000" pitchFamily="34" charset="-120"/>
               </a:rPr>
-              <a:t>資工二 </a:t>
-            </a:r>
-            <a:r>
-              <a:rPr lang="zh-TW" altLang="en-US" sz="1500" dirty="0" smtClean="0">
-                <a:solidFill>
-                  <a:schemeClr val="bg1"/>
-                </a:solidFill>
-                <a:latin typeface="jf open 粉圓 1.0" panose="020F0500000000000000" pitchFamily="34" charset="-120"/>
-                <a:ea typeface="jf open 粉圓 1.0" panose="020F0500000000000000" pitchFamily="34" charset="-120"/>
-              </a:rPr>
-              <a:t>陳冠臻</a:t>
+              <a:t>資工二 陳冠臻</a:t>
             </a:r>
             <a:endParaRPr lang="en-US" altLang="zh-TW" sz="1500" dirty="0" smtClean="0">
               <a:solidFill>
@@ -3224,17 +3210,7 @@
                 <a:latin typeface="jf open 粉圓 1.0" panose="020F0500000000000000" pitchFamily="34" charset="-120"/>
                 <a:ea typeface="jf open 粉圓 1.0" panose="020F0500000000000000" pitchFamily="34" charset="-120"/>
               </a:rPr>
-              <a:t>資工二 </a:t>
-            </a:r>
-            <a:r>
-              <a:rPr lang="zh-TW" altLang="en-US" sz="1500" dirty="0" smtClean="0">
-                <a:solidFill>
-                  <a:schemeClr val="bg1"/>
-                </a:solidFill>
-                <a:latin typeface="jf open 粉圓 1.0" panose="020F0500000000000000" pitchFamily="34" charset="-120"/>
-                <a:ea typeface="jf open 粉圓 1.0" panose="020F0500000000000000" pitchFamily="34" charset="-120"/>
-              </a:rPr>
-              <a:t>曾華健</a:t>
+              <a:t>資工二 曾華健</a:t>
             </a:r>
             <a:endParaRPr lang="en-US" altLang="zh-TW" sz="1500" dirty="0" smtClean="0">
               <a:solidFill>
@@ -3283,24 +3259,138 @@
           <a:chExt cx="0" cy="0"/>
         </a:xfrm>
       </p:grpSpPr>
+      <p:sp>
+        <p:nvSpPr>
+          <p:cNvPr id="5" name="文字方塊 4"/>
+          <p:cNvSpPr txBox="1"/>
+          <p:nvPr/>
+        </p:nvSpPr>
+        <p:spPr>
+          <a:xfrm>
+            <a:off x="6152143" y="2272502"/>
+            <a:ext cx="2727029" cy="2862322"/>
+          </a:xfrm>
+          <a:prstGeom prst="rect">
+            <a:avLst/>
+          </a:prstGeom>
+          <a:noFill/>
+        </p:spPr>
+        <p:txBody>
+          <a:bodyPr wrap="none" rtlCol="0">
+            <a:spAutoFit/>
+          </a:bodyPr>
+          <a:lstStyle/>
+          <a:p>
+            <a:r>
+              <a:rPr lang="en-US" altLang="zh-TW" sz="6000" dirty="0" smtClean="0">
+                <a:solidFill>
+                  <a:schemeClr val="bg1"/>
+                </a:solidFill>
+                <a:latin typeface="jf open 粉圓 1.0" panose="020F0500000000000000" pitchFamily="34" charset="-120"/>
+                <a:ea typeface="jf open 粉圓 1.0" panose="020F0500000000000000" pitchFamily="34" charset="-120"/>
+              </a:rPr>
+              <a:t>HTML</a:t>
+            </a:r>
+          </a:p>
+          <a:p>
+            <a:r>
+              <a:rPr lang="en-US" altLang="zh-TW" sz="6000" dirty="0" smtClean="0">
+                <a:solidFill>
+                  <a:schemeClr val="bg1"/>
+                </a:solidFill>
+                <a:latin typeface="jf open 粉圓 1.0" panose="020F0500000000000000" pitchFamily="34" charset="-120"/>
+                <a:ea typeface="jf open 粉圓 1.0" panose="020F0500000000000000" pitchFamily="34" charset="-120"/>
+              </a:rPr>
+              <a:t>CSS</a:t>
+            </a:r>
+          </a:p>
+          <a:p>
+            <a:r>
+              <a:rPr lang="en-US" altLang="zh-TW" sz="6000" dirty="0" smtClean="0">
+                <a:solidFill>
+                  <a:schemeClr val="bg1"/>
+                </a:solidFill>
+                <a:latin typeface="jf open 粉圓 1.0" panose="020F0500000000000000" pitchFamily="34" charset="-120"/>
+                <a:ea typeface="jf open 粉圓 1.0" panose="020F0500000000000000" pitchFamily="34" charset="-120"/>
+              </a:rPr>
+              <a:t>GitHub</a:t>
+            </a:r>
+            <a:endParaRPr lang="zh-TW" altLang="en-US" sz="6000" dirty="0" smtClean="0">
+              <a:solidFill>
+                <a:schemeClr val="bg1"/>
+              </a:solidFill>
+              <a:latin typeface="jf open 粉圓 1.0" panose="020F0500000000000000" pitchFamily="34" charset="-120"/>
+              <a:ea typeface="jf open 粉圓 1.0" panose="020F0500000000000000" pitchFamily="34" charset="-120"/>
+            </a:endParaRPr>
+          </a:p>
+        </p:txBody>
+      </p:sp>
+      <p:sp>
+        <p:nvSpPr>
+          <p:cNvPr id="6" name="文字方塊 5"/>
+          <p:cNvSpPr txBox="1"/>
+          <p:nvPr/>
+        </p:nvSpPr>
+        <p:spPr>
+          <a:xfrm>
+            <a:off x="6152143" y="1617361"/>
+            <a:ext cx="2031325" cy="646331"/>
+          </a:xfrm>
+          <a:prstGeom prst="rect">
+            <a:avLst/>
+          </a:prstGeom>
+          <a:noFill/>
+        </p:spPr>
+        <p:txBody>
+          <a:bodyPr wrap="none" rtlCol="0">
+            <a:spAutoFit/>
+          </a:bodyPr>
+          <a:lstStyle/>
+          <a:p>
+            <a:r>
+              <a:rPr lang="zh-TW" altLang="en-US" sz="3600" dirty="0" smtClean="0">
+                <a:solidFill>
+                  <a:schemeClr val="bg1"/>
+                </a:solidFill>
+                <a:latin typeface="jf open 粉圓 1.0" panose="020F0500000000000000" pitchFamily="34" charset="-120"/>
+                <a:ea typeface="jf open 粉圓 1.0" panose="020F0500000000000000" pitchFamily="34" charset="-120"/>
+              </a:rPr>
+              <a:t>使用技術</a:t>
+            </a:r>
+            <a:endParaRPr lang="zh-TW" altLang="en-US" sz="3600" dirty="0">
+              <a:solidFill>
+                <a:schemeClr val="bg1"/>
+              </a:solidFill>
+              <a:latin typeface="jf open 粉圓 1.0" panose="020F0500000000000000" pitchFamily="34" charset="-120"/>
+              <a:ea typeface="jf open 粉圓 1.0" panose="020F0500000000000000" pitchFamily="34" charset="-120"/>
+            </a:endParaRPr>
+          </a:p>
+        </p:txBody>
+      </p:sp>
       <p:pic>
         <p:nvPicPr>
-          <p:cNvPr id="4" name="圖片 3"/>
+          <p:cNvPr id="2" name="圖片 1"/>
           <p:cNvPicPr>
             <a:picLocks noChangeAspect="1"/>
           </p:cNvPicPr>
           <p:nvPr/>
         </p:nvPicPr>
         <p:blipFill>
-          <a:blip r:embed="rId2"/>
+          <a:blip r:embed="rId2">
+            <a:extLst>
+              <a:ext uri="{28A0092B-C50C-407E-A947-70E740481C1C}">
+                <a14:useLocalDpi xmlns:a14="http://schemas.microsoft.com/office/drawing/2010/main" val="0"/>
+              </a:ext>
+            </a:extLst>
+          </a:blip>
           <a:stretch>
             <a:fillRect/>
           </a:stretch>
         </p:blipFill>
         <p:spPr>
           <a:xfrm>
-            <a:off x="0" y="0"/>
-            <a:ext cx="12192000" cy="6858000"/>
+            <a:off x="1185590" y="838524"/>
+            <a:ext cx="5180952" cy="5180952"/>
           </a:xfrm>
           <a:prstGeom prst="rect">
             <a:avLst/>
@@ -3310,20 +3400,20 @@
     </p:spTree>
     <p:extLst>
       <p:ext uri="{BB962C8B-B14F-4D97-AF65-F5344CB8AC3E}">
-        <p14:creationId xmlns:p14="http://schemas.microsoft.com/office/powerpoint/2010/main" val="2270896687"/>
+        <p14:creationId xmlns:p14="http://schemas.microsoft.com/office/powerpoint/2010/main" val="788929340"/>
       </p:ext>
     </p:extLst>
   </p:cSld>
   <p:clrMapOvr>
     <a:masterClrMapping/>
   </p:clrMapOvr>
-  <mc:AlternateContent xmlns:mc="http://schemas.openxmlformats.org/markup-compatibility/2006">
-    <mc:Choice xmlns:p14="http://schemas.microsoft.com/office/powerpoint/2010/main" Requires="p14">
+  <mc:AlternateContent xmlns:mc="http://schemas.openxmlformats.org/markup-compatibility/2006" xmlns:p14="http://schemas.microsoft.com/office/powerpoint/2010/main">
+    <mc:Choice Requires="p14">
       <p:transition spd="med" p14:dur="700">
         <p:fade/>
       </p:transition>
     </mc:Choice>
-    <mc:Fallback>
+    <mc:Fallback xmlns="">
       <p:transition spd="med">
         <p:fade/>
       </p:transition>
@@ -3358,16 +3448,14 @@
       </p:grpSpPr>
       <p:pic>
         <p:nvPicPr>
-          <p:cNvPr id="5" name="圖片 4">
-            <a:hlinkClick r:id="rId2"/>
-          </p:cNvPr>
+          <p:cNvPr id="4" name="圖片 3"/>
           <p:cNvPicPr>
             <a:picLocks noChangeAspect="1"/>
           </p:cNvPicPr>
           <p:nvPr/>
         </p:nvPicPr>
         <p:blipFill>
-          <a:blip r:embed="rId3"/>
+          <a:blip r:embed="rId2"/>
           <a:stretch>
             <a:fillRect/>
           </a:stretch>
@@ -3385,20 +3473,20 @@
     </p:spTree>
     <p:extLst>
       <p:ext uri="{BB962C8B-B14F-4D97-AF65-F5344CB8AC3E}">
-        <p14:creationId xmlns:p14="http://schemas.microsoft.com/office/powerpoint/2010/main" val="135738606"/>
+        <p14:creationId xmlns:p14="http://schemas.microsoft.com/office/powerpoint/2010/main" val="2270896687"/>
       </p:ext>
     </p:extLst>
   </p:cSld>
   <p:clrMapOvr>
     <a:masterClrMapping/>
   </p:clrMapOvr>
-  <mc:AlternateContent xmlns:mc="http://schemas.openxmlformats.org/markup-compatibility/2006">
-    <mc:Choice xmlns:p14="http://schemas.microsoft.com/office/powerpoint/2010/main" Requires="p14">
+  <mc:AlternateContent xmlns:mc="http://schemas.openxmlformats.org/markup-compatibility/2006" xmlns:p14="http://schemas.microsoft.com/office/powerpoint/2010/main">
+    <mc:Choice Requires="p14">
       <p:transition spd="med" p14:dur="700">
         <p:fade/>
       </p:transition>
     </mc:Choice>
-    <mc:Fallback>
+    <mc:Fallback xmlns="">
       <p:transition spd="med">
         <p:fade/>
       </p:transition>
@@ -3415,6 +3503,81 @@
 </file>
 
 <file path=ppt/slides/slide12.xml><?xml version="1.0" encoding="utf-8"?>
+<p:sld xmlns:a="http://schemas.openxmlformats.org/drawingml/2006/main" xmlns:r="http://schemas.openxmlformats.org/officeDocument/2006/relationships" xmlns:p="http://schemas.openxmlformats.org/presentationml/2006/main">
+  <p:cSld>
+    <p:spTree>
+      <p:nvGrpSpPr>
+        <p:cNvPr id="1" name=""/>
+        <p:cNvGrpSpPr/>
+        <p:nvPr/>
+      </p:nvGrpSpPr>
+      <p:grpSpPr>
+        <a:xfrm>
+          <a:off x="0" y="0"/>
+          <a:ext cx="0" cy="0"/>
+          <a:chOff x="0" y="0"/>
+          <a:chExt cx="0" cy="0"/>
+        </a:xfrm>
+      </p:grpSpPr>
+      <p:pic>
+        <p:nvPicPr>
+          <p:cNvPr id="5" name="圖片 4">
+            <a:hlinkClick r:id="rId2"/>
+          </p:cNvPr>
+          <p:cNvPicPr>
+            <a:picLocks noChangeAspect="1"/>
+          </p:cNvPicPr>
+          <p:nvPr/>
+        </p:nvPicPr>
+        <p:blipFill>
+          <a:blip r:embed="rId3"/>
+          <a:stretch>
+            <a:fillRect/>
+          </a:stretch>
+        </p:blipFill>
+        <p:spPr>
+          <a:xfrm>
+            <a:off x="0" y="0"/>
+            <a:ext cx="12192000" cy="6858000"/>
+          </a:xfrm>
+          <a:prstGeom prst="rect">
+            <a:avLst/>
+          </a:prstGeom>
+        </p:spPr>
+      </p:pic>
+    </p:spTree>
+    <p:extLst>
+      <p:ext uri="{BB962C8B-B14F-4D97-AF65-F5344CB8AC3E}">
+        <p14:creationId xmlns:p14="http://schemas.microsoft.com/office/powerpoint/2010/main" val="135738606"/>
+      </p:ext>
+    </p:extLst>
+  </p:cSld>
+  <p:clrMapOvr>
+    <a:masterClrMapping/>
+  </p:clrMapOvr>
+  <mc:AlternateContent xmlns:mc="http://schemas.openxmlformats.org/markup-compatibility/2006" xmlns:p14="http://schemas.microsoft.com/office/powerpoint/2010/main">
+    <mc:Choice Requires="p14">
+      <p:transition spd="med" p14:dur="700">
+        <p:fade/>
+      </p:transition>
+    </mc:Choice>
+    <mc:Fallback xmlns="">
+      <p:transition spd="med">
+        <p:fade/>
+      </p:transition>
+    </mc:Fallback>
+  </mc:AlternateContent>
+  <p:timing>
+    <p:tnLst>
+      <p:par>
+        <p:cTn id="1" dur="indefinite" restart="never" nodeType="tmRoot"/>
+      </p:par>
+    </p:tnLst>
+  </p:timing>
+</p:sld>
+</file>
+
+<file path=ppt/slides/slide13.xml><?xml version="1.0" encoding="utf-8"?>
 <p:sld xmlns:a="http://schemas.openxmlformats.org/drawingml/2006/main" xmlns:r="http://schemas.openxmlformats.org/officeDocument/2006/relationships" xmlns:p="http://schemas.openxmlformats.org/presentationml/2006/main">
   <p:cSld>
     <p:spTree>
@@ -3471,13 +3634,13 @@
   <p:clrMapOvr>
     <a:masterClrMapping/>
   </p:clrMapOvr>
-  <mc:AlternateContent xmlns:mc="http://schemas.openxmlformats.org/markup-compatibility/2006">
-    <mc:Choice xmlns:p14="http://schemas.microsoft.com/office/powerpoint/2010/main" Requires="p14">
+  <mc:AlternateContent xmlns:mc="http://schemas.openxmlformats.org/markup-compatibility/2006" xmlns:p14="http://schemas.microsoft.com/office/powerpoint/2010/main">
+    <mc:Choice Requires="p14">
       <p:transition spd="med" p14:dur="700">
         <p:fade/>
       </p:transition>
     </mc:Choice>
-    <mc:Fallback>
+    <mc:Fallback xmlns="">
       <p:transition spd="med">
         <p:fade/>
       </p:transition>
@@ -3493,7 +3656,7 @@
 </p:sld>
 </file>
 
-<file path=ppt/slides/slide13.xml><?xml version="1.0" encoding="utf-8"?>
+<file path=ppt/slides/slide14.xml><?xml version="1.0" encoding="utf-8"?>
 <p:sld xmlns:a="http://schemas.openxmlformats.org/drawingml/2006/main" xmlns:r="http://schemas.openxmlformats.org/officeDocument/2006/relationships" xmlns:p="http://schemas.openxmlformats.org/presentationml/2006/main" show="0">
   <p:cSld>
     <p:spTree>
@@ -3641,11 +3804,11 @@
   <p:clrMapOvr>
     <a:masterClrMapping/>
   </p:clrMapOvr>
-  <mc:AlternateContent xmlns:mc="http://schemas.openxmlformats.org/markup-compatibility/2006">
-    <mc:Choice xmlns:p14="http://schemas.microsoft.com/office/powerpoint/2010/main" Requires="p14">
+  <mc:AlternateContent xmlns:mc="http://schemas.openxmlformats.org/markup-compatibility/2006" xmlns:p14="http://schemas.microsoft.com/office/powerpoint/2010/main">
+    <mc:Choice Requires="p14">
       <p:transition spd="slow" p14:dur="2000"/>
     </mc:Choice>
-    <mc:Fallback>
+    <mc:Fallback xmlns="">
       <p:transition spd="slow"/>
     </mc:Fallback>
   </mc:AlternateContent>
@@ -3858,13 +4021,13 @@
   <p:clrMapOvr>
     <a:masterClrMapping/>
   </p:clrMapOvr>
-  <mc:AlternateContent xmlns:mc="http://schemas.openxmlformats.org/markup-compatibility/2006">
-    <mc:Choice xmlns:p14="http://schemas.microsoft.com/office/powerpoint/2010/main" Requires="p14">
+  <mc:AlternateContent xmlns:mc="http://schemas.openxmlformats.org/markup-compatibility/2006" xmlns:p14="http://schemas.microsoft.com/office/powerpoint/2010/main">
+    <mc:Choice Requires="p14">
       <p:transition spd="med" p14:dur="700">
         <p:fade/>
       </p:transition>
     </mc:Choice>
-    <mc:Fallback>
+    <mc:Fallback xmlns="">
       <p:transition spd="med">
         <p:fade/>
       </p:transition>
@@ -4063,13 +4226,13 @@
   <p:clrMapOvr>
     <a:masterClrMapping/>
   </p:clrMapOvr>
-  <mc:AlternateContent xmlns:mc="http://schemas.openxmlformats.org/markup-compatibility/2006">
-    <mc:Choice xmlns:p14="http://schemas.microsoft.com/office/powerpoint/2010/main" Requires="p14">
+  <mc:AlternateContent xmlns:mc="http://schemas.openxmlformats.org/markup-compatibility/2006" xmlns:p14="http://schemas.microsoft.com/office/powerpoint/2010/main">
+    <mc:Choice Requires="p14">
       <p:transition spd="med" p14:dur="700">
         <p:fade/>
       </p:transition>
     </mc:Choice>
-    <mc:Fallback>
+    <mc:Fallback xmlns="">
       <p:transition spd="med">
         <p:fade/>
       </p:transition>
@@ -4248,13 +4411,13 @@
   <p:clrMapOvr>
     <a:masterClrMapping/>
   </p:clrMapOvr>
-  <mc:AlternateContent xmlns:mc="http://schemas.openxmlformats.org/markup-compatibility/2006">
-    <mc:Choice xmlns:p14="http://schemas.microsoft.com/office/powerpoint/2010/main" Requires="p14">
+  <mc:AlternateContent xmlns:mc="http://schemas.openxmlformats.org/markup-compatibility/2006" xmlns:p14="http://schemas.microsoft.com/office/powerpoint/2010/main">
+    <mc:Choice Requires="p14">
       <p:transition spd="med" p14:dur="700">
         <p:fade/>
       </p:transition>
     </mc:Choice>
-    <mc:Fallback>
+    <mc:Fallback xmlns="">
       <p:transition spd="med">
         <p:fade/>
       </p:transition>
@@ -4469,13 +4632,13 @@
   <p:clrMapOvr>
     <a:masterClrMapping/>
   </p:clrMapOvr>
-  <mc:AlternateContent xmlns:mc="http://schemas.openxmlformats.org/markup-compatibility/2006">
-    <mc:Choice xmlns:p14="http://schemas.microsoft.com/office/powerpoint/2010/main" Requires="p14">
+  <mc:AlternateContent xmlns:mc="http://schemas.openxmlformats.org/markup-compatibility/2006" xmlns:p14="http://schemas.microsoft.com/office/powerpoint/2010/main">
+    <mc:Choice Requires="p14">
       <p:transition spd="med" p14:dur="700">
         <p:fade/>
       </p:transition>
     </mc:Choice>
-    <mc:Fallback>
+    <mc:Fallback xmlns="">
       <p:transition spd="med">
         <p:fade/>
       </p:transition>
@@ -4865,13 +5028,13 @@
   <p:clrMapOvr>
     <a:masterClrMapping/>
   </p:clrMapOvr>
-  <mc:AlternateContent xmlns:mc="http://schemas.openxmlformats.org/markup-compatibility/2006">
-    <mc:Choice xmlns:p14="http://schemas.microsoft.com/office/powerpoint/2010/main" Requires="p14">
+  <mc:AlternateContent xmlns:mc="http://schemas.openxmlformats.org/markup-compatibility/2006" xmlns:p14="http://schemas.microsoft.com/office/powerpoint/2010/main">
+    <mc:Choice Requires="p14">
       <p:transition spd="med" p14:dur="700">
         <p:fade/>
       </p:transition>
     </mc:Choice>
-    <mc:Fallback>
+    <mc:Fallback xmlns="">
       <p:transition spd="med">
         <p:fade/>
       </p:transition>
@@ -4888,6 +5051,175 @@
 </file>
 
 <file path=ppt/slides/slide7.xml><?xml version="1.0" encoding="utf-8"?>
+<p:sld xmlns:a="http://schemas.openxmlformats.org/drawingml/2006/main" xmlns:r="http://schemas.openxmlformats.org/officeDocument/2006/relationships" xmlns:p="http://schemas.openxmlformats.org/presentationml/2006/main">
+  <p:cSld>
+    <p:spTree>
+      <p:nvGrpSpPr>
+        <p:cNvPr id="1" name=""/>
+        <p:cNvGrpSpPr/>
+        <p:nvPr/>
+      </p:nvGrpSpPr>
+      <p:grpSpPr>
+        <a:xfrm>
+          <a:off x="0" y="0"/>
+          <a:ext cx="0" cy="0"/>
+          <a:chOff x="0" y="0"/>
+          <a:chExt cx="0" cy="0"/>
+        </a:xfrm>
+      </p:grpSpPr>
+      <p:grpSp>
+        <p:nvGrpSpPr>
+          <p:cNvPr id="6" name="群組 5"/>
+          <p:cNvGrpSpPr/>
+          <p:nvPr/>
+        </p:nvGrpSpPr>
+        <p:grpSpPr>
+          <a:xfrm>
+            <a:off x="1787770" y="2421032"/>
+            <a:ext cx="8616461" cy="2015936"/>
+            <a:chOff x="1849084" y="1915438"/>
+            <a:chExt cx="8616461" cy="2015936"/>
+          </a:xfrm>
+        </p:grpSpPr>
+        <p:sp>
+          <p:nvSpPr>
+            <p:cNvPr id="4" name="文字方塊 3"/>
+            <p:cNvSpPr txBox="1"/>
+            <p:nvPr/>
+          </p:nvSpPr>
+          <p:spPr>
+            <a:xfrm>
+              <a:off x="1849084" y="2684879"/>
+              <a:ext cx="8616461" cy="1246495"/>
+            </a:xfrm>
+            <a:prstGeom prst="rect">
+              <a:avLst/>
+            </a:prstGeom>
+            <a:noFill/>
+          </p:spPr>
+          <p:txBody>
+            <a:bodyPr wrap="none" rtlCol="0">
+              <a:spAutoFit/>
+            </a:bodyPr>
+            <a:lstStyle/>
+            <a:p>
+              <a:r>
+                <a:rPr lang="en-US" altLang="zh-TW" sz="7500" dirty="0" smtClean="0">
+                  <a:solidFill>
+                    <a:schemeClr val="bg1"/>
+                  </a:solidFill>
+                  <a:latin typeface="jf open 粉圓 1.0" panose="020F0500000000000000" pitchFamily="34" charset="-120"/>
+                  <a:ea typeface="jf open 粉圓 1.0" panose="020F0500000000000000" pitchFamily="34" charset="-120"/>
+                </a:rPr>
+                <a:t>JF</a:t>
+              </a:r>
+              <a:r>
+                <a:rPr lang="zh-TW" altLang="en-US" sz="7500" dirty="0" smtClean="0">
+                  <a:solidFill>
+                    <a:schemeClr val="bg1"/>
+                  </a:solidFill>
+                  <a:latin typeface="jf open 粉圓 1.0" panose="020F0500000000000000" pitchFamily="34" charset="-120"/>
+                  <a:ea typeface="jf open 粉圓 1.0" panose="020F0500000000000000" pitchFamily="34" charset="-120"/>
+                </a:rPr>
+                <a:t> </a:t>
+              </a:r>
+              <a:r>
+                <a:rPr lang="en-US" altLang="zh-TW" sz="7500" dirty="0" smtClean="0">
+                  <a:solidFill>
+                    <a:schemeClr val="bg1"/>
+                  </a:solidFill>
+                  <a:latin typeface="jf open 粉圓 1.0" panose="020F0500000000000000" pitchFamily="34" charset="-120"/>
+                  <a:ea typeface="jf open 粉圓 1.0" panose="020F0500000000000000" pitchFamily="34" charset="-120"/>
+                </a:rPr>
+                <a:t>open </a:t>
+              </a:r>
+              <a:r>
+                <a:rPr lang="zh-TW" altLang="en-US" sz="7500" dirty="0" smtClean="0">
+                  <a:solidFill>
+                    <a:schemeClr val="bg1"/>
+                  </a:solidFill>
+                  <a:latin typeface="jf open 粉圓 1.0" panose="020F0500000000000000" pitchFamily="34" charset="-120"/>
+                  <a:ea typeface="jf open 粉圓 1.0" panose="020F0500000000000000" pitchFamily="34" charset="-120"/>
+                </a:rPr>
+                <a:t>粉圓體 </a:t>
+              </a:r>
+              <a:r>
+                <a:rPr lang="en-US" altLang="zh-TW" sz="7500" dirty="0" smtClean="0">
+                  <a:solidFill>
+                    <a:schemeClr val="bg1"/>
+                  </a:solidFill>
+                  <a:latin typeface="jf open 粉圓 1.0" panose="020F0500000000000000" pitchFamily="34" charset="-120"/>
+                  <a:ea typeface="jf open 粉圓 1.0" panose="020F0500000000000000" pitchFamily="34" charset="-120"/>
+                </a:rPr>
+                <a:t>1.0</a:t>
+              </a:r>
+              <a:endParaRPr lang="zh-TW" altLang="en-US" sz="7500" dirty="0" smtClean="0">
+                <a:solidFill>
+                  <a:schemeClr val="bg1"/>
+                </a:solidFill>
+                <a:latin typeface="jf open 粉圓 1.0" panose="020F0500000000000000" pitchFamily="34" charset="-120"/>
+                <a:ea typeface="jf open 粉圓 1.0" panose="020F0500000000000000" pitchFamily="34" charset="-120"/>
+              </a:endParaRPr>
+            </a:p>
+          </p:txBody>
+        </p:sp>
+        <p:sp>
+          <p:nvSpPr>
+            <p:cNvPr id="5" name="文字方塊 4"/>
+            <p:cNvSpPr txBox="1"/>
+            <p:nvPr/>
+          </p:nvSpPr>
+          <p:spPr>
+            <a:xfrm>
+              <a:off x="1849084" y="1915438"/>
+              <a:ext cx="2441694" cy="769441"/>
+            </a:xfrm>
+            <a:prstGeom prst="rect">
+              <a:avLst/>
+            </a:prstGeom>
+            <a:noFill/>
+          </p:spPr>
+          <p:txBody>
+            <a:bodyPr wrap="none" rtlCol="0">
+              <a:spAutoFit/>
+            </a:bodyPr>
+            <a:lstStyle/>
+            <a:p>
+              <a:r>
+                <a:rPr lang="zh-TW" altLang="en-US" sz="4400" dirty="0" smtClean="0">
+                  <a:solidFill>
+                    <a:schemeClr val="bg1"/>
+                  </a:solidFill>
+                  <a:latin typeface="jf open 粉圓 1.0" panose="020F0500000000000000" pitchFamily="34" charset="-120"/>
+                  <a:ea typeface="jf open 粉圓 1.0" panose="020F0500000000000000" pitchFamily="34" charset="-120"/>
+                </a:rPr>
+                <a:t>使用字體</a:t>
+              </a:r>
+              <a:endParaRPr lang="zh-TW" altLang="en-US" sz="4400" dirty="0">
+                <a:solidFill>
+                  <a:schemeClr val="bg1"/>
+                </a:solidFill>
+                <a:latin typeface="jf open 粉圓 1.0" panose="020F0500000000000000" pitchFamily="34" charset="-120"/>
+                <a:ea typeface="jf open 粉圓 1.0" panose="020F0500000000000000" pitchFamily="34" charset="-120"/>
+              </a:endParaRPr>
+            </a:p>
+          </p:txBody>
+        </p:sp>
+      </p:grpSp>
+    </p:spTree>
+    <p:extLst>
+      <p:ext uri="{BB962C8B-B14F-4D97-AF65-F5344CB8AC3E}">
+        <p14:creationId xmlns:p14="http://schemas.microsoft.com/office/powerpoint/2010/main" val="4277677955"/>
+      </p:ext>
+    </p:extLst>
+  </p:cSld>
+  <p:clrMapOvr>
+    <a:masterClrMapping/>
+  </p:clrMapOvr>
+</p:sld>
+</file>
+
+<file path=ppt/slides/slide8.xml><?xml version="1.0" encoding="utf-8"?>
 <p:sld xmlns:a="http://schemas.openxmlformats.org/drawingml/2006/main" xmlns:r="http://schemas.openxmlformats.org/officeDocument/2006/relationships" xmlns:p="http://schemas.openxmlformats.org/presentationml/2006/main">
   <p:cSld>
     <p:spTree>
@@ -4955,13 +5287,13 @@
   <p:clrMapOvr>
     <a:masterClrMapping/>
   </p:clrMapOvr>
-  <mc:AlternateContent xmlns:mc="http://schemas.openxmlformats.org/markup-compatibility/2006">
-    <mc:Choice xmlns:p14="http://schemas.microsoft.com/office/powerpoint/2010/main" Requires="p14">
+  <mc:AlternateContent xmlns:mc="http://schemas.openxmlformats.org/markup-compatibility/2006" xmlns:p14="http://schemas.microsoft.com/office/powerpoint/2010/main">
+    <mc:Choice Requires="p14">
       <p:transition spd="med" p14:dur="700">
         <p:fade/>
       </p:transition>
     </mc:Choice>
-    <mc:Fallback>
+    <mc:Fallback xmlns="">
       <p:transition spd="med">
         <p:fade/>
       </p:transition>
@@ -4977,7 +5309,7 @@
 </p:sld>
 </file>
 
-<file path=ppt/slides/slide8.xml><?xml version="1.0" encoding="utf-8"?>
+<file path=ppt/slides/slide9.xml><?xml version="1.0" encoding="utf-8"?>
 <p:sld xmlns:a="http://schemas.openxmlformats.org/drawingml/2006/main" xmlns:r="http://schemas.openxmlformats.org/officeDocument/2006/relationships" xmlns:p="http://schemas.openxmlformats.org/presentationml/2006/main">
   <p:cSld>
     <p:spTree>
@@ -5249,13 +5581,6 @@
               </a:rPr>
               <a:t>訊</a:t>
             </a:r>
-            <a:endParaRPr lang="zh-TW" altLang="en-US" sz="3600" b="1" dirty="0">
-              <a:solidFill>
-                <a:schemeClr val="bg1"/>
-              </a:solidFill>
-              <a:latin typeface="jf open 粉圓 1.0" panose="020F0500000000000000" pitchFamily="34" charset="-120"/>
-              <a:ea typeface="jf open 粉圓 1.0" panose="020F0500000000000000" pitchFamily="34" charset="-120"/>
-            </a:endParaRPr>
           </a:p>
         </p:txBody>
       </p:sp>
@@ -5559,13 +5884,6 @@
               </a:rPr>
               <a:t>告</a:t>
             </a:r>
-            <a:endParaRPr lang="zh-TW" altLang="en-US" sz="3600" b="1" dirty="0">
-              <a:solidFill>
-                <a:schemeClr val="bg1"/>
-              </a:solidFill>
-              <a:latin typeface="jf open 粉圓 1.0" panose="020F0500000000000000" pitchFamily="34" charset="-120"/>
-              <a:ea typeface="jf open 粉圓 1.0" panose="020F0500000000000000" pitchFamily="34" charset="-120"/>
-            </a:endParaRPr>
           </a:p>
         </p:txBody>
       </p:sp>
@@ -5579,210 +5897,13 @@
   <p:clrMapOvr>
     <a:masterClrMapping/>
   </p:clrMapOvr>
-  <mc:AlternateContent xmlns:mc="http://schemas.openxmlformats.org/markup-compatibility/2006">
-    <mc:Choice xmlns:p14="http://schemas.microsoft.com/office/powerpoint/2010/main" Requires="p14">
+  <mc:AlternateContent xmlns:mc="http://schemas.openxmlformats.org/markup-compatibility/2006" xmlns:p14="http://schemas.microsoft.com/office/powerpoint/2010/main">
+    <mc:Choice Requires="p14">
       <p:transition spd="med" p14:dur="700">
         <p:fade/>
       </p:transition>
     </mc:Choice>
-    <mc:Fallback>
-      <p:transition spd="med">
-        <p:fade/>
-      </p:transition>
-    </mc:Fallback>
-  </mc:AlternateContent>
-  <p:timing>
-    <p:tnLst>
-      <p:par>
-        <p:cTn id="1" dur="indefinite" restart="never" nodeType="tmRoot"/>
-      </p:par>
-    </p:tnLst>
-  </p:timing>
-</p:sld>
-</file>
-
-<file path=ppt/slides/slide9.xml><?xml version="1.0" encoding="utf-8"?>
-<p:sld xmlns:a="http://schemas.openxmlformats.org/drawingml/2006/main" xmlns:r="http://schemas.openxmlformats.org/officeDocument/2006/relationships" xmlns:p="http://schemas.openxmlformats.org/presentationml/2006/main">
-  <p:cSld>
-    <p:spTree>
-      <p:nvGrpSpPr>
-        <p:cNvPr id="1" name=""/>
-        <p:cNvGrpSpPr/>
-        <p:nvPr/>
-      </p:nvGrpSpPr>
-      <p:grpSpPr>
-        <a:xfrm>
-          <a:off x="0" y="0"/>
-          <a:ext cx="0" cy="0"/>
-          <a:chOff x="0" y="0"/>
-          <a:chExt cx="0" cy="0"/>
-        </a:xfrm>
-      </p:grpSpPr>
-      <p:sp>
-        <p:nvSpPr>
-          <p:cNvPr id="5" name="文字方塊 4"/>
-          <p:cNvSpPr txBox="1"/>
-          <p:nvPr/>
-        </p:nvSpPr>
-        <p:spPr>
-          <a:xfrm>
-            <a:off x="6152143" y="2272502"/>
-            <a:ext cx="2727029" cy="2862322"/>
-          </a:xfrm>
-          <a:prstGeom prst="rect">
-            <a:avLst/>
-          </a:prstGeom>
-          <a:noFill/>
-        </p:spPr>
-        <p:txBody>
-          <a:bodyPr wrap="none" rtlCol="0">
-            <a:spAutoFit/>
-          </a:bodyPr>
-          <a:lstStyle/>
-          <a:p>
-            <a:r>
-              <a:rPr lang="en-US" altLang="zh-TW" sz="6000" dirty="0" smtClean="0">
-                <a:solidFill>
-                  <a:schemeClr val="bg1"/>
-                </a:solidFill>
-                <a:latin typeface="jf open 粉圓 1.0" panose="020F0500000000000000" pitchFamily="34" charset="-120"/>
-                <a:ea typeface="jf open 粉圓 1.0" panose="020F0500000000000000" pitchFamily="34" charset="-120"/>
-              </a:rPr>
-              <a:t>HTML</a:t>
-            </a:r>
-          </a:p>
-          <a:p>
-            <a:r>
-              <a:rPr lang="en-US" altLang="zh-TW" sz="6000" dirty="0" smtClean="0">
-                <a:solidFill>
-                  <a:schemeClr val="bg1"/>
-                </a:solidFill>
-                <a:latin typeface="jf open 粉圓 1.0" panose="020F0500000000000000" pitchFamily="34" charset="-120"/>
-                <a:ea typeface="jf open 粉圓 1.0" panose="020F0500000000000000" pitchFamily="34" charset="-120"/>
-              </a:rPr>
-              <a:t>CSS</a:t>
-            </a:r>
-          </a:p>
-          <a:p>
-            <a:r>
-              <a:rPr lang="en-US" altLang="zh-TW" sz="6000" dirty="0" smtClean="0">
-                <a:solidFill>
-                  <a:schemeClr val="bg1"/>
-                </a:solidFill>
-                <a:latin typeface="jf open 粉圓 1.0" panose="020F0500000000000000" pitchFamily="34" charset="-120"/>
-                <a:ea typeface="jf open 粉圓 1.0" panose="020F0500000000000000" pitchFamily="34" charset="-120"/>
-              </a:rPr>
-              <a:t>GitHub</a:t>
-            </a:r>
-            <a:endParaRPr lang="zh-TW" altLang="en-US" sz="6000" dirty="0" smtClean="0">
-              <a:solidFill>
-                <a:schemeClr val="bg1"/>
-              </a:solidFill>
-              <a:latin typeface="jf open 粉圓 1.0" panose="020F0500000000000000" pitchFamily="34" charset="-120"/>
-              <a:ea typeface="jf open 粉圓 1.0" panose="020F0500000000000000" pitchFamily="34" charset="-120"/>
-            </a:endParaRPr>
-          </a:p>
-        </p:txBody>
-      </p:sp>
-      <p:sp>
-        <p:nvSpPr>
-          <p:cNvPr id="6" name="文字方塊 5"/>
-          <p:cNvSpPr txBox="1"/>
-          <p:nvPr/>
-        </p:nvSpPr>
-        <p:spPr>
-          <a:xfrm>
-            <a:off x="6152143" y="1617361"/>
-            <a:ext cx="2031325" cy="646331"/>
-          </a:xfrm>
-          <a:prstGeom prst="rect">
-            <a:avLst/>
-          </a:prstGeom>
-          <a:noFill/>
-        </p:spPr>
-        <p:txBody>
-          <a:bodyPr wrap="none" rtlCol="0">
-            <a:spAutoFit/>
-          </a:bodyPr>
-          <a:lstStyle/>
-          <a:p>
-            <a:r>
-              <a:rPr lang="zh-TW" altLang="en-US" sz="3600" dirty="0" smtClean="0">
-                <a:solidFill>
-                  <a:schemeClr val="bg1"/>
-                </a:solidFill>
-                <a:latin typeface="jf open 粉圓 1.0" panose="020F0500000000000000" pitchFamily="34" charset="-120"/>
-                <a:ea typeface="jf open 粉圓 1.0" panose="020F0500000000000000" pitchFamily="34" charset="-120"/>
-              </a:rPr>
-              <a:t>使用</a:t>
-            </a:r>
-            <a:r>
-              <a:rPr lang="zh-TW" altLang="en-US" sz="3600" dirty="0" smtClean="0">
-                <a:solidFill>
-                  <a:schemeClr val="bg1"/>
-                </a:solidFill>
-                <a:latin typeface="jf open 粉圓 1.0" panose="020F0500000000000000" pitchFamily="34" charset="-120"/>
-                <a:ea typeface="jf open 粉圓 1.0" panose="020F0500000000000000" pitchFamily="34" charset="-120"/>
-              </a:rPr>
-              <a:t>技術</a:t>
-            </a:r>
-            <a:endParaRPr lang="zh-TW" altLang="en-US" sz="3600" dirty="0">
-              <a:solidFill>
-                <a:schemeClr val="bg1"/>
-              </a:solidFill>
-              <a:latin typeface="jf open 粉圓 1.0" panose="020F0500000000000000" pitchFamily="34" charset="-120"/>
-              <a:ea typeface="jf open 粉圓 1.0" panose="020F0500000000000000" pitchFamily="34" charset="-120"/>
-            </a:endParaRPr>
-          </a:p>
-        </p:txBody>
-      </p:sp>
-      <p:pic>
-        <p:nvPicPr>
-          <p:cNvPr id="2" name="圖片 1"/>
-          <p:cNvPicPr>
-            <a:picLocks noChangeAspect="1"/>
-          </p:cNvPicPr>
-          <p:nvPr/>
-        </p:nvPicPr>
-        <p:blipFill>
-          <a:blip r:embed="rId2">
-            <a:extLst>
-              <a:ext uri="{28A0092B-C50C-407E-A947-70E740481C1C}">
-                <a14:useLocalDpi xmlns:a14="http://schemas.microsoft.com/office/drawing/2010/main" val="0"/>
-              </a:ext>
-            </a:extLst>
-          </a:blip>
-          <a:stretch>
-            <a:fillRect/>
-          </a:stretch>
-        </p:blipFill>
-        <p:spPr>
-          <a:xfrm>
-            <a:off x="1185590" y="838524"/>
-            <a:ext cx="5180952" cy="5180952"/>
-          </a:xfrm>
-          <a:prstGeom prst="rect">
-            <a:avLst/>
-          </a:prstGeom>
-        </p:spPr>
-      </p:pic>
-    </p:spTree>
-    <p:extLst>
-      <p:ext uri="{BB962C8B-B14F-4D97-AF65-F5344CB8AC3E}">
-        <p14:creationId xmlns:p14="http://schemas.microsoft.com/office/powerpoint/2010/main" val="788929340"/>
-      </p:ext>
-    </p:extLst>
-  </p:cSld>
-  <p:clrMapOvr>
-    <a:masterClrMapping/>
-  </p:clrMapOvr>
-  <mc:AlternateContent xmlns:mc="http://schemas.openxmlformats.org/markup-compatibility/2006">
-    <mc:Choice xmlns:p14="http://schemas.microsoft.com/office/powerpoint/2010/main" Requires="p14">
-      <p:transition spd="med" p14:dur="700">
-        <p:fade/>
-      </p:transition>
-    </mc:Choice>
-    <mc:Fallback>
+    <mc:Fallback xmlns="">
       <p:transition spd="med">
         <p:fade/>
       </p:transition>

--- a/吉佳咖啡.pptx
+++ b/吉佳咖啡.pptx
@@ -5216,6 +5216,25 @@
   <p:clrMapOvr>
     <a:masterClrMapping/>
   </p:clrMapOvr>
+  <mc:AlternateContent xmlns:mc="http://schemas.openxmlformats.org/markup-compatibility/2006">
+    <mc:Choice xmlns:p14="http://schemas.microsoft.com/office/powerpoint/2010/main" Requires="p14">
+      <p:transition spd="med" p14:dur="700">
+        <p:fade/>
+      </p:transition>
+    </mc:Choice>
+    <mc:Fallback>
+      <p:transition spd="med">
+        <p:fade/>
+      </p:transition>
+    </mc:Fallback>
+  </mc:AlternateContent>
+  <p:timing>
+    <p:tnLst>
+      <p:par>
+        <p:cTn id="1" dur="indefinite" restart="never" nodeType="tmRoot"/>
+      </p:par>
+    </p:tnLst>
+  </p:timing>
 </p:sld>
 </file>
 

--- a/吉佳咖啡.pptx
+++ b/吉佳咖啡.pptx
@@ -5216,13 +5216,13 @@
   <p:clrMapOvr>
     <a:masterClrMapping/>
   </p:clrMapOvr>
-  <mc:AlternateContent xmlns:mc="http://schemas.openxmlformats.org/markup-compatibility/2006">
-    <mc:Choice xmlns:p14="http://schemas.microsoft.com/office/powerpoint/2010/main" Requires="p14">
+  <mc:AlternateContent xmlns:mc="http://schemas.openxmlformats.org/markup-compatibility/2006" xmlns:p14="http://schemas.microsoft.com/office/powerpoint/2010/main">
+    <mc:Choice Requires="p14">
       <p:transition spd="med" p14:dur="700">
         <p:fade/>
       </p:transition>
     </mc:Choice>
-    <mc:Fallback>
+    <mc:Fallback xmlns="">
       <p:transition spd="med">
         <p:fade/>
       </p:transition>
